--- a/Matches/ASI - ISA - Oktober 2019/SUR, B - Standards Gives Me a Bad Feeling.pptx
+++ b/Matches/ASI - ISA - Oktober 2019/SUR, B - Standards Gives Me a Bad Feeling.pptx
@@ -335,7 +335,7 @@
               <a:pPr>
                 <a:defRPr/>
               </a:pPr>
-              <a:t>9/25/19</a:t>
+              <a:t>30.09.2019</a:t>
             </a:fld>
             <a:endParaRPr lang="en-US"/>
           </a:p>
@@ -4232,7 +4232,7 @@
           <p:nvPr>
             <p:extLst>
               <p:ext uri="{D42A27DB-BD31-4B8C-83A1-F6EECF244321}">
-                <p14:modId xmlns:p14="http://schemas.microsoft.com/office/powerpoint/2010/main" val="1934503592"/>
+                <p14:modId xmlns:p14="http://schemas.microsoft.com/office/powerpoint/2010/main" val="3825778905"/>
               </p:ext>
             </p:extLst>
           </p:nvPr>
@@ -5017,7 +5017,22 @@
                           <a:ea typeface="ＭＳ Ｐゴシック" pitchFamily="-112" charset="-128"/>
                           <a:cs typeface="Times New Roman" pitchFamily="-112" charset="0"/>
                         </a:rPr>
-                        <a:t>START-STOP:          Audible - Last shot</a:t>
+                        <a:t>START-STOP:          Audible - </a:t>
+                      </a:r>
+                      <a:r>
+                        <a:rPr kumimoji="0" lang="en-US" sz="1100" b="1" i="0" u="none" strike="noStrike" cap="none" normalizeH="0" baseline="0">
+                          <a:ln>
+                            <a:noFill/>
+                          </a:ln>
+                          <a:solidFill>
+                            <a:schemeClr val="tx1"/>
+                          </a:solidFill>
+                          <a:effectLst/>
+                          <a:latin typeface="Arial" charset="0"/>
+                          <a:ea typeface="ＭＳ Ｐゴシック" pitchFamily="-112" charset="-128"/>
+                          <a:cs typeface="Times New Roman" pitchFamily="-112" charset="0"/>
+                        </a:rPr>
+                        <a:t>Last shot</a:t>
                       </a:r>
                     </a:p>
                     <a:p>
@@ -5038,7 +5053,7 @@
                         <a:tabLst/>
                       </a:pPr>
                       <a:r>
-                        <a:rPr kumimoji="0" lang="en-US" sz="1100" b="1" i="0" u="none" strike="noStrike" cap="none" normalizeH="0" baseline="0" dirty="0">
+                        <a:rPr kumimoji="0" lang="en-US" sz="1100" b="1" i="0" u="none" strike="noStrike" cap="none" normalizeH="0" baseline="0">
                           <a:ln>
                             <a:noFill/>
                           </a:ln>
@@ -5050,26 +5065,8 @@
                           <a:ea typeface="ＭＳ Ｐゴシック" pitchFamily="-112" charset="-128"/>
                           <a:cs typeface="Times New Roman" pitchFamily="-112" charset="0"/>
                         </a:rPr>
-                        <a:t>CONCEALMENT:     Required</a:t>
+                        <a:t>Muzzle </a:t>
                       </a:r>
-                    </a:p>
-                    <a:p>
-                      <a:pPr marL="0" marR="0" lvl="0" indent="0" algn="l" defTabSz="966788" rtl="0" eaLnBrk="0" fontAlgn="base" latinLnBrk="0" hangingPunct="0">
-                        <a:lnSpc>
-                          <a:spcPct val="100000"/>
-                        </a:lnSpc>
-                        <a:spcBef>
-                          <a:spcPct val="0"/>
-                        </a:spcBef>
-                        <a:spcAft>
-                          <a:spcPct val="0"/>
-                        </a:spcAft>
-                        <a:buClrTx/>
-                        <a:buSzTx/>
-                        <a:buFontTx/>
-                        <a:buNone/>
-                        <a:tabLst/>
-                      </a:pPr>
                       <a:r>
                         <a:rPr kumimoji="0" lang="en-US" sz="1100" b="1" i="0" u="none" strike="noStrike" cap="none" normalizeH="0" baseline="0" dirty="0">
                           <a:ln>
@@ -5083,7 +5080,7 @@
                           <a:ea typeface="ＭＳ Ｐゴシック" pitchFamily="-112" charset="-128"/>
                           <a:cs typeface="Times New Roman" pitchFamily="-112" charset="0"/>
                         </a:rPr>
-                        <a:t>Muzzle Safe Points: 180 degree rule</a:t>
+                        <a:t>Safe Points: 180 degree rule</a:t>
                       </a:r>
                     </a:p>
                   </a:txBody>

--- a/Matches/ASI - ISA - Oktober 2019/SUR, B - Standards Gives Me a Bad Feeling.pptx
+++ b/Matches/ASI - ISA - Oktober 2019/SUR, B - Standards Gives Me a Bad Feeling.pptx
@@ -8354,6 +8354,181 @@
           </p:txBody>
         </p:sp>
       </p:grpSp>
+      <p:sp>
+        <p:nvSpPr>
+          <p:cNvPr id="58" name="TextBox 57">
+            <a:extLst>
+              <a:ext uri="{FF2B5EF4-FFF2-40B4-BE49-F238E27FC236}">
+                <a16:creationId xmlns:a16="http://schemas.microsoft.com/office/drawing/2014/main" id="{585ADC15-F4B8-4BF6-BD01-9F21A9B19535}"/>
+              </a:ext>
+            </a:extLst>
+          </p:cNvPr>
+          <p:cNvSpPr txBox="1"/>
+          <p:nvPr/>
+        </p:nvSpPr>
+        <p:spPr>
+          <a:xfrm>
+            <a:off x="1570896" y="3855345"/>
+            <a:ext cx="533400" cy="369332"/>
+          </a:xfrm>
+          <a:prstGeom prst="rect">
+            <a:avLst/>
+          </a:prstGeom>
+          <a:noFill/>
+        </p:spPr>
+        <p:txBody>
+          <a:bodyPr wrap="square" rtlCol="0">
+            <a:spAutoFit/>
+          </a:bodyPr>
+          <a:lstStyle/>
+          <a:p>
+            <a:r>
+              <a:rPr lang="en-US" b="1" dirty="0"/>
+              <a:t>T1</a:t>
+            </a:r>
+          </a:p>
+        </p:txBody>
+      </p:sp>
+      <p:sp>
+        <p:nvSpPr>
+          <p:cNvPr id="59" name="TextBox 58">
+            <a:extLst>
+              <a:ext uri="{FF2B5EF4-FFF2-40B4-BE49-F238E27FC236}">
+                <a16:creationId xmlns:a16="http://schemas.microsoft.com/office/drawing/2014/main" id="{FF25D686-F271-43AF-BE8E-F20F7EC68232}"/>
+              </a:ext>
+            </a:extLst>
+          </p:cNvPr>
+          <p:cNvSpPr txBox="1"/>
+          <p:nvPr/>
+        </p:nvSpPr>
+        <p:spPr>
+          <a:xfrm>
+            <a:off x="1533379" y="4157368"/>
+            <a:ext cx="533400" cy="369332"/>
+          </a:xfrm>
+          <a:prstGeom prst="rect">
+            <a:avLst/>
+          </a:prstGeom>
+          <a:noFill/>
+        </p:spPr>
+        <p:txBody>
+          <a:bodyPr wrap="square" rtlCol="0">
+            <a:spAutoFit/>
+          </a:bodyPr>
+          <a:lstStyle/>
+          <a:p>
+            <a:r>
+              <a:rPr lang="en-US" b="1" dirty="0"/>
+              <a:t>T2</a:t>
+            </a:r>
+          </a:p>
+        </p:txBody>
+      </p:sp>
+      <p:sp>
+        <p:nvSpPr>
+          <p:cNvPr id="60" name="TextBox 59">
+            <a:extLst>
+              <a:ext uri="{FF2B5EF4-FFF2-40B4-BE49-F238E27FC236}">
+                <a16:creationId xmlns:a16="http://schemas.microsoft.com/office/drawing/2014/main" id="{A30DD6BD-61B2-4A3B-B5C1-9C84578C61A2}"/>
+              </a:ext>
+            </a:extLst>
+          </p:cNvPr>
+          <p:cNvSpPr txBox="1"/>
+          <p:nvPr/>
+        </p:nvSpPr>
+        <p:spPr>
+          <a:xfrm>
+            <a:off x="3007299" y="3670679"/>
+            <a:ext cx="533400" cy="369332"/>
+          </a:xfrm>
+          <a:prstGeom prst="rect">
+            <a:avLst/>
+          </a:prstGeom>
+          <a:noFill/>
+        </p:spPr>
+        <p:txBody>
+          <a:bodyPr wrap="square" rtlCol="0">
+            <a:spAutoFit/>
+          </a:bodyPr>
+          <a:lstStyle/>
+          <a:p>
+            <a:r>
+              <a:rPr lang="en-US" b="1" dirty="0"/>
+              <a:t>T3</a:t>
+            </a:r>
+          </a:p>
+        </p:txBody>
+      </p:sp>
+      <p:sp>
+        <p:nvSpPr>
+          <p:cNvPr id="62" name="TextBox 61">
+            <a:extLst>
+              <a:ext uri="{FF2B5EF4-FFF2-40B4-BE49-F238E27FC236}">
+                <a16:creationId xmlns:a16="http://schemas.microsoft.com/office/drawing/2014/main" id="{3B50839A-903F-4314-8E87-3F5EA6B7E87A}"/>
+              </a:ext>
+            </a:extLst>
+          </p:cNvPr>
+          <p:cNvSpPr txBox="1"/>
+          <p:nvPr/>
+        </p:nvSpPr>
+        <p:spPr>
+          <a:xfrm>
+            <a:off x="4816689" y="3750709"/>
+            <a:ext cx="533400" cy="369332"/>
+          </a:xfrm>
+          <a:prstGeom prst="rect">
+            <a:avLst/>
+          </a:prstGeom>
+          <a:noFill/>
+        </p:spPr>
+        <p:txBody>
+          <a:bodyPr wrap="square" rtlCol="0">
+            <a:spAutoFit/>
+          </a:bodyPr>
+          <a:lstStyle/>
+          <a:p>
+            <a:r>
+              <a:rPr lang="en-US" b="1" dirty="0"/>
+              <a:t>T4</a:t>
+            </a:r>
+          </a:p>
+        </p:txBody>
+      </p:sp>
+      <p:sp>
+        <p:nvSpPr>
+          <p:cNvPr id="63" name="TextBox 62">
+            <a:extLst>
+              <a:ext uri="{FF2B5EF4-FFF2-40B4-BE49-F238E27FC236}">
+                <a16:creationId xmlns:a16="http://schemas.microsoft.com/office/drawing/2014/main" id="{05CE11C2-915B-4BA2-999B-A9560C43C711}"/>
+              </a:ext>
+            </a:extLst>
+          </p:cNvPr>
+          <p:cNvSpPr txBox="1"/>
+          <p:nvPr/>
+        </p:nvSpPr>
+        <p:spPr>
+          <a:xfrm>
+            <a:off x="4803684" y="4091052"/>
+            <a:ext cx="533400" cy="369332"/>
+          </a:xfrm>
+          <a:prstGeom prst="rect">
+            <a:avLst/>
+          </a:prstGeom>
+          <a:noFill/>
+        </p:spPr>
+        <p:txBody>
+          <a:bodyPr wrap="square" rtlCol="0">
+            <a:spAutoFit/>
+          </a:bodyPr>
+          <a:lstStyle/>
+          <a:p>
+            <a:r>
+              <a:rPr lang="en-US" b="1" dirty="0"/>
+              <a:t>T5</a:t>
+            </a:r>
+          </a:p>
+        </p:txBody>
+      </p:sp>
     </p:spTree>
   </p:cSld>
   <p:clrMapOvr>
